--- a/Git Presentation.pptx
+++ b/Git Presentation.pptx
@@ -5486,54 +5486,6 @@
           <a:xfrm>
             <a:off x="1275299" y="2070140"/>
             <a:ext cx="2333625" cy="257175"/>
-          </a:xfrm>
-          <a:prstGeom prst="rect">
-            <a:avLst/>
-          </a:prstGeom>
-        </p:spPr>
-      </p:pic>
-      <p:pic>
-        <p:nvPicPr>
-          <p:cNvPr id="5" name="Grafik 4"/>
-          <p:cNvPicPr>
-            <a:picLocks noChangeAspect="1"/>
-          </p:cNvPicPr>
-          <p:nvPr/>
-        </p:nvPicPr>
-        <p:blipFill>
-          <a:blip r:embed="rId5"/>
-          <a:stretch>
-            <a:fillRect/>
-          </a:stretch>
-        </p:blipFill>
-        <p:spPr>
-          <a:xfrm>
-            <a:off x="5534450" y="2070140"/>
-            <a:ext cx="1847850" cy="276225"/>
-          </a:xfrm>
-          <a:prstGeom prst="rect">
-            <a:avLst/>
-          </a:prstGeom>
-        </p:spPr>
-      </p:pic>
-      <p:pic>
-        <p:nvPicPr>
-          <p:cNvPr id="6" name="Grafik 5"/>
-          <p:cNvPicPr>
-            <a:picLocks noChangeAspect="1"/>
-          </p:cNvPicPr>
-          <p:nvPr/>
-        </p:nvPicPr>
-        <p:blipFill>
-          <a:blip r:embed="rId6"/>
-          <a:stretch>
-            <a:fillRect/>
-          </a:stretch>
-        </p:blipFill>
-        <p:spPr>
-          <a:xfrm>
-            <a:off x="4265534" y="2583488"/>
-            <a:ext cx="4385682" cy="3465562"/>
           </a:xfrm>
           <a:prstGeom prst="rect">
             <a:avLst/>

--- a/Git Presentation.pptx
+++ b/Git Presentation.pptx
@@ -5,7 +5,7 @@
     <p:sldMasterId id="2147483648" r:id="rId1"/>
   </p:sldMasterIdLst>
   <p:notesMasterIdLst>
-    <p:notesMasterId r:id="rId9"/>
+    <p:notesMasterId r:id="rId11"/>
   </p:notesMasterIdLst>
   <p:sldIdLst>
     <p:sldId id="256" r:id="rId2"/>
@@ -15,6 +15,8 @@
     <p:sldId id="260" r:id="rId6"/>
     <p:sldId id="261" r:id="rId7"/>
     <p:sldId id="262" r:id="rId8"/>
+    <p:sldId id="263" r:id="rId9"/>
+    <p:sldId id="264" r:id="rId10"/>
   </p:sldIdLst>
   <p:sldSz cx="9144000" cy="6858000" type="screen4x3"/>
   <p:notesSz cx="6858000" cy="9144000"/>
@@ -226,7 +228,7 @@
           <a:p>
             <a:fld id="{B28CE030-8C6A-4258-80FD-849DC4E54F98}" type="datetimeFigureOut">
               <a:rPr lang="de-DE" smtClean="0"/>
-              <a:t>12.12.2014</a:t>
+              <a:t>15.12.2014</a:t>
             </a:fld>
             <a:endParaRPr lang="de-DE"/>
           </a:p>
@@ -914,6 +916,174 @@
 </p:notes>
 </file>
 
+<file path=ppt/notesSlides/notesSlide6.xml><?xml version="1.0" encoding="utf-8"?>
+<p:notes xmlns:a="http://schemas.openxmlformats.org/drawingml/2006/main" xmlns:r="http://schemas.openxmlformats.org/officeDocument/2006/relationships" xmlns:p="http://schemas.openxmlformats.org/presentationml/2006/main">
+  <p:cSld>
+    <p:spTree>
+      <p:nvGrpSpPr>
+        <p:cNvPr id="1" name=""/>
+        <p:cNvGrpSpPr/>
+        <p:nvPr/>
+      </p:nvGrpSpPr>
+      <p:grpSpPr>
+        <a:xfrm>
+          <a:off x="0" y="0"/>
+          <a:ext cx="0" cy="0"/>
+          <a:chOff x="0" y="0"/>
+          <a:chExt cx="0" cy="0"/>
+        </a:xfrm>
+      </p:grpSpPr>
+      <p:sp>
+        <p:nvSpPr>
+          <p:cNvPr id="2" name="Folienbildplatzhalter 1"/>
+          <p:cNvSpPr>
+            <a:spLocks noGrp="1" noRot="1" noChangeAspect="1"/>
+          </p:cNvSpPr>
+          <p:nvPr>
+            <p:ph type="sldImg"/>
+          </p:nvPr>
+        </p:nvSpPr>
+        <p:spPr/>
+      </p:sp>
+      <p:sp>
+        <p:nvSpPr>
+          <p:cNvPr id="3" name="Notizenplatzhalter 2"/>
+          <p:cNvSpPr>
+            <a:spLocks noGrp="1"/>
+          </p:cNvSpPr>
+          <p:nvPr>
+            <p:ph type="body" idx="1"/>
+          </p:nvPr>
+        </p:nvSpPr>
+        <p:spPr/>
+        <p:txBody>
+          <a:bodyPr/>
+          <a:lstStyle/>
+          <a:p>
+            <a:endParaRPr lang="de-DE"/>
+          </a:p>
+        </p:txBody>
+      </p:sp>
+      <p:sp>
+        <p:nvSpPr>
+          <p:cNvPr id="4" name="Foliennummernplatzhalter 3"/>
+          <p:cNvSpPr>
+            <a:spLocks noGrp="1"/>
+          </p:cNvSpPr>
+          <p:nvPr>
+            <p:ph type="sldNum" sz="quarter" idx="10"/>
+          </p:nvPr>
+        </p:nvSpPr>
+        <p:spPr/>
+        <p:txBody>
+          <a:bodyPr/>
+          <a:lstStyle/>
+          <a:p>
+            <a:fld id="{566108BA-F475-478F-803A-2659C60F1875}" type="slidenum">
+              <a:rPr lang="de-DE" smtClean="0"/>
+              <a:t>8</a:t>
+            </a:fld>
+            <a:endParaRPr lang="de-DE"/>
+          </a:p>
+        </p:txBody>
+      </p:sp>
+    </p:spTree>
+    <p:extLst>
+      <p:ext uri="{BB962C8B-B14F-4D97-AF65-F5344CB8AC3E}">
+        <p14:creationId xmlns:p14="http://schemas.microsoft.com/office/powerpoint/2010/main" val="2933714142"/>
+      </p:ext>
+    </p:extLst>
+  </p:cSld>
+  <p:clrMapOvr>
+    <a:masterClrMapping/>
+  </p:clrMapOvr>
+</p:notes>
+</file>
+
+<file path=ppt/notesSlides/notesSlide7.xml><?xml version="1.0" encoding="utf-8"?>
+<p:notes xmlns:a="http://schemas.openxmlformats.org/drawingml/2006/main" xmlns:r="http://schemas.openxmlformats.org/officeDocument/2006/relationships" xmlns:p="http://schemas.openxmlformats.org/presentationml/2006/main">
+  <p:cSld>
+    <p:spTree>
+      <p:nvGrpSpPr>
+        <p:cNvPr id="1" name=""/>
+        <p:cNvGrpSpPr/>
+        <p:nvPr/>
+      </p:nvGrpSpPr>
+      <p:grpSpPr>
+        <a:xfrm>
+          <a:off x="0" y="0"/>
+          <a:ext cx="0" cy="0"/>
+          <a:chOff x="0" y="0"/>
+          <a:chExt cx="0" cy="0"/>
+        </a:xfrm>
+      </p:grpSpPr>
+      <p:sp>
+        <p:nvSpPr>
+          <p:cNvPr id="2" name="Folienbildplatzhalter 1"/>
+          <p:cNvSpPr>
+            <a:spLocks noGrp="1" noRot="1" noChangeAspect="1"/>
+          </p:cNvSpPr>
+          <p:nvPr>
+            <p:ph type="sldImg"/>
+          </p:nvPr>
+        </p:nvSpPr>
+        <p:spPr/>
+      </p:sp>
+      <p:sp>
+        <p:nvSpPr>
+          <p:cNvPr id="3" name="Notizenplatzhalter 2"/>
+          <p:cNvSpPr>
+            <a:spLocks noGrp="1"/>
+          </p:cNvSpPr>
+          <p:nvPr>
+            <p:ph type="body" idx="1"/>
+          </p:nvPr>
+        </p:nvSpPr>
+        <p:spPr/>
+        <p:txBody>
+          <a:bodyPr/>
+          <a:lstStyle/>
+          <a:p>
+            <a:endParaRPr lang="de-DE"/>
+          </a:p>
+        </p:txBody>
+      </p:sp>
+      <p:sp>
+        <p:nvSpPr>
+          <p:cNvPr id="4" name="Foliennummernplatzhalter 3"/>
+          <p:cNvSpPr>
+            <a:spLocks noGrp="1"/>
+          </p:cNvSpPr>
+          <p:nvPr>
+            <p:ph type="sldNum" sz="quarter" idx="10"/>
+          </p:nvPr>
+        </p:nvSpPr>
+        <p:spPr/>
+        <p:txBody>
+          <a:bodyPr/>
+          <a:lstStyle/>
+          <a:p>
+            <a:fld id="{566108BA-F475-478F-803A-2659C60F1875}" type="slidenum">
+              <a:rPr lang="de-DE" smtClean="0"/>
+              <a:t>9</a:t>
+            </a:fld>
+            <a:endParaRPr lang="de-DE"/>
+          </a:p>
+        </p:txBody>
+      </p:sp>
+    </p:spTree>
+    <p:extLst>
+      <p:ext uri="{BB962C8B-B14F-4D97-AF65-F5344CB8AC3E}">
+        <p14:creationId xmlns:p14="http://schemas.microsoft.com/office/powerpoint/2010/main" val="2378804963"/>
+      </p:ext>
+    </p:extLst>
+  </p:cSld>
+  <p:clrMapOvr>
+    <a:masterClrMapping/>
+  </p:clrMapOvr>
+</p:notes>
+</file>
+
 <file path=ppt/slideLayouts/slideLayout1.xml><?xml version="1.0" encoding="utf-8"?>
 <p:sldLayout xmlns:a="http://schemas.openxmlformats.org/drawingml/2006/main" xmlns:r="http://schemas.openxmlformats.org/officeDocument/2006/relationships" xmlns:p="http://schemas.openxmlformats.org/presentationml/2006/main" type="title" preserve="1">
   <p:cSld name="Titelfolie">
@@ -1095,7 +1265,7 @@
           <a:p>
             <a:fld id="{1BA50D42-C9CD-4801-B293-61D1F53EC57E}" type="datetimeFigureOut">
               <a:rPr lang="de-DE" smtClean="0"/>
-              <a:t>12.12.2014</a:t>
+              <a:t>15.12.2014</a:t>
             </a:fld>
             <a:endParaRPr lang="de-DE"/>
           </a:p>
@@ -1260,7 +1430,7 @@
           <a:p>
             <a:fld id="{1BA50D42-C9CD-4801-B293-61D1F53EC57E}" type="datetimeFigureOut">
               <a:rPr lang="de-DE" smtClean="0"/>
-              <a:t>12.12.2014</a:t>
+              <a:t>15.12.2014</a:t>
             </a:fld>
             <a:endParaRPr lang="de-DE"/>
           </a:p>
@@ -1435,7 +1605,7 @@
           <a:p>
             <a:fld id="{1BA50D42-C9CD-4801-B293-61D1F53EC57E}" type="datetimeFigureOut">
               <a:rPr lang="de-DE" smtClean="0"/>
-              <a:t>12.12.2014</a:t>
+              <a:t>15.12.2014</a:t>
             </a:fld>
             <a:endParaRPr lang="de-DE"/>
           </a:p>
@@ -1600,7 +1770,7 @@
           <a:p>
             <a:fld id="{1BA50D42-C9CD-4801-B293-61D1F53EC57E}" type="datetimeFigureOut">
               <a:rPr lang="de-DE" smtClean="0"/>
-              <a:t>12.12.2014</a:t>
+              <a:t>15.12.2014</a:t>
             </a:fld>
             <a:endParaRPr lang="de-DE"/>
           </a:p>
@@ -1841,7 +2011,7 @@
           <a:p>
             <a:fld id="{1BA50D42-C9CD-4801-B293-61D1F53EC57E}" type="datetimeFigureOut">
               <a:rPr lang="de-DE" smtClean="0"/>
-              <a:t>12.12.2014</a:t>
+              <a:t>15.12.2014</a:t>
             </a:fld>
             <a:endParaRPr lang="de-DE"/>
           </a:p>
@@ -2124,7 +2294,7 @@
           <a:p>
             <a:fld id="{1BA50D42-C9CD-4801-B293-61D1F53EC57E}" type="datetimeFigureOut">
               <a:rPr lang="de-DE" smtClean="0"/>
-              <a:t>12.12.2014</a:t>
+              <a:t>15.12.2014</a:t>
             </a:fld>
             <a:endParaRPr lang="de-DE"/>
           </a:p>
@@ -2541,7 +2711,7 @@
           <a:p>
             <a:fld id="{1BA50D42-C9CD-4801-B293-61D1F53EC57E}" type="datetimeFigureOut">
               <a:rPr lang="de-DE" smtClean="0"/>
-              <a:t>12.12.2014</a:t>
+              <a:t>15.12.2014</a:t>
             </a:fld>
             <a:endParaRPr lang="de-DE"/>
           </a:p>
@@ -2654,7 +2824,7 @@
           <a:p>
             <a:fld id="{1BA50D42-C9CD-4801-B293-61D1F53EC57E}" type="datetimeFigureOut">
               <a:rPr lang="de-DE" smtClean="0"/>
-              <a:t>12.12.2014</a:t>
+              <a:t>15.12.2014</a:t>
             </a:fld>
             <a:endParaRPr lang="de-DE"/>
           </a:p>
@@ -2744,7 +2914,7 @@
           <a:p>
             <a:fld id="{1BA50D42-C9CD-4801-B293-61D1F53EC57E}" type="datetimeFigureOut">
               <a:rPr lang="de-DE" smtClean="0"/>
-              <a:t>12.12.2014</a:t>
+              <a:t>15.12.2014</a:t>
             </a:fld>
             <a:endParaRPr lang="de-DE"/>
           </a:p>
@@ -3016,7 +3186,7 @@
           <a:p>
             <a:fld id="{1BA50D42-C9CD-4801-B293-61D1F53EC57E}" type="datetimeFigureOut">
               <a:rPr lang="de-DE" smtClean="0"/>
-              <a:t>12.12.2014</a:t>
+              <a:t>15.12.2014</a:t>
             </a:fld>
             <a:endParaRPr lang="de-DE"/>
           </a:p>
@@ -3264,7 +3434,7 @@
           <a:p>
             <a:fld id="{1BA50D42-C9CD-4801-B293-61D1F53EC57E}" type="datetimeFigureOut">
               <a:rPr lang="de-DE" smtClean="0"/>
-              <a:t>12.12.2014</a:t>
+              <a:t>15.12.2014</a:t>
             </a:fld>
             <a:endParaRPr lang="de-DE"/>
           </a:p>
@@ -3472,7 +3642,7 @@
           <a:p>
             <a:fld id="{1BA50D42-C9CD-4801-B293-61D1F53EC57E}" type="datetimeFigureOut">
               <a:rPr lang="de-DE" smtClean="0"/>
-              <a:t>12.12.2014</a:t>
+              <a:t>15.12.2014</a:t>
             </a:fld>
             <a:endParaRPr lang="de-DE"/>
           </a:p>
@@ -4105,7 +4275,7 @@
               </a:pPr>
               <a:r>
                 <a:rPr lang="de-DE" sz="2400" dirty="0" smtClean="0"/>
-                <a:t>Update</a:t>
+                <a:t>Show Log</a:t>
               </a:r>
               <a:endParaRPr lang="de-DE" sz="2400" dirty="0"/>
             </a:p>
@@ -5492,10 +5662,386 @@
           </a:prstGeom>
         </p:spPr>
       </p:pic>
+      <p:pic>
+        <p:nvPicPr>
+          <p:cNvPr id="5" name="Grafik 4"/>
+          <p:cNvPicPr>
+            <a:picLocks noChangeAspect="1"/>
+          </p:cNvPicPr>
+          <p:nvPr/>
+        </p:nvPicPr>
+        <p:blipFill>
+          <a:blip r:embed="rId5"/>
+          <a:stretch>
+            <a:fillRect/>
+          </a:stretch>
+        </p:blipFill>
+        <p:spPr>
+          <a:xfrm>
+            <a:off x="5534450" y="2070140"/>
+            <a:ext cx="1847850" cy="276225"/>
+          </a:xfrm>
+          <a:prstGeom prst="rect">
+            <a:avLst/>
+          </a:prstGeom>
+        </p:spPr>
+      </p:pic>
+      <p:pic>
+        <p:nvPicPr>
+          <p:cNvPr id="6" name="Grafik 5"/>
+          <p:cNvPicPr>
+            <a:picLocks noChangeAspect="1"/>
+          </p:cNvPicPr>
+          <p:nvPr/>
+        </p:nvPicPr>
+        <p:blipFill>
+          <a:blip r:embed="rId6"/>
+          <a:stretch>
+            <a:fillRect/>
+          </a:stretch>
+        </p:blipFill>
+        <p:spPr>
+          <a:xfrm>
+            <a:off x="4265534" y="2583488"/>
+            <a:ext cx="4385682" cy="3465562"/>
+          </a:xfrm>
+          <a:prstGeom prst="rect">
+            <a:avLst/>
+          </a:prstGeom>
+        </p:spPr>
+      </p:pic>
     </p:spTree>
     <p:extLst>
       <p:ext uri="{BB962C8B-B14F-4D97-AF65-F5344CB8AC3E}">
         <p14:creationId xmlns:p14="http://schemas.microsoft.com/office/powerpoint/2010/main" val="828399416"/>
+      </p:ext>
+    </p:extLst>
+  </p:cSld>
+  <p:clrMapOvr>
+    <a:masterClrMapping/>
+  </p:clrMapOvr>
+  <p:timing>
+    <p:tnLst>
+      <p:par>
+        <p:cTn id="1" dur="indefinite" restart="never" nodeType="tmRoot"/>
+      </p:par>
+    </p:tnLst>
+  </p:timing>
+</p:sld>
+</file>
+
+<file path=ppt/slides/slide8.xml><?xml version="1.0" encoding="utf-8"?>
+<p:sld xmlns:a="http://schemas.openxmlformats.org/drawingml/2006/main" xmlns:r="http://schemas.openxmlformats.org/officeDocument/2006/relationships" xmlns:p="http://schemas.openxmlformats.org/presentationml/2006/main" showMasterSp="0">
+  <p:cSld>
+    <p:bg>
+      <p:bgPr>
+        <a:blipFill dpi="0" rotWithShape="1">
+          <a:blip r:embed="rId3">
+            <a:alphaModFix amt="14000"/>
+            <a:lum/>
+          </a:blip>
+          <a:srcRect/>
+          <a:stretch>
+            <a:fillRect t="-17000" b="-17000"/>
+          </a:stretch>
+        </a:blipFill>
+        <a:effectLst/>
+      </p:bgPr>
+    </p:bg>
+    <p:spTree>
+      <p:nvGrpSpPr>
+        <p:cNvPr id="1" name=""/>
+        <p:cNvGrpSpPr/>
+        <p:nvPr/>
+      </p:nvGrpSpPr>
+      <p:grpSpPr>
+        <a:xfrm>
+          <a:off x="0" y="0"/>
+          <a:ext cx="0" cy="0"/>
+          <a:chOff x="0" y="0"/>
+          <a:chExt cx="0" cy="0"/>
+        </a:xfrm>
+      </p:grpSpPr>
+      <p:sp>
+        <p:nvSpPr>
+          <p:cNvPr id="2" name="Titel 1"/>
+          <p:cNvSpPr>
+            <a:spLocks noGrp="1"/>
+          </p:cNvSpPr>
+          <p:nvPr>
+            <p:ph type="title"/>
+          </p:nvPr>
+        </p:nvSpPr>
+        <p:spPr>
+          <a:xfrm>
+            <a:off x="457200" y="274638"/>
+            <a:ext cx="8229600" cy="1138138"/>
+          </a:xfrm>
+        </p:spPr>
+        <p:txBody>
+          <a:bodyPr>
+            <a:normAutofit/>
+          </a:bodyPr>
+          <a:lstStyle/>
+          <a:p>
+            <a:r>
+              <a:rPr lang="de-DE" dirty="0" smtClean="0"/>
+              <a:t>Show Log</a:t>
+            </a:r>
+            <a:endParaRPr lang="de-DE" dirty="0"/>
+          </a:p>
+        </p:txBody>
+      </p:sp>
+      <p:sp>
+        <p:nvSpPr>
+          <p:cNvPr id="4" name="Textfeld 3"/>
+          <p:cNvSpPr txBox="1"/>
+          <p:nvPr/>
+        </p:nvSpPr>
+        <p:spPr>
+          <a:xfrm>
+            <a:off x="1835696" y="1556792"/>
+            <a:ext cx="1212833" cy="369332"/>
+          </a:xfrm>
+          <a:prstGeom prst="rect">
+            <a:avLst/>
+          </a:prstGeom>
+          <a:noFill/>
+        </p:spPr>
+        <p:txBody>
+          <a:bodyPr wrap="none" rtlCol="0">
+            <a:spAutoFit/>
+          </a:bodyPr>
+          <a:lstStyle/>
+          <a:p>
+            <a:r>
+              <a:rPr lang="de-DE" dirty="0" smtClean="0"/>
+              <a:t>Subversion</a:t>
+            </a:r>
+            <a:endParaRPr lang="de-DE" dirty="0"/>
+          </a:p>
+        </p:txBody>
+      </p:sp>
+      <p:sp>
+        <p:nvSpPr>
+          <p:cNvPr id="18" name="Textfeld 17"/>
+          <p:cNvSpPr txBox="1"/>
+          <p:nvPr/>
+        </p:nvSpPr>
+        <p:spPr>
+          <a:xfrm>
+            <a:off x="6228184" y="1556792"/>
+            <a:ext cx="460382" cy="369332"/>
+          </a:xfrm>
+          <a:prstGeom prst="rect">
+            <a:avLst/>
+          </a:prstGeom>
+          <a:noFill/>
+        </p:spPr>
+        <p:txBody>
+          <a:bodyPr wrap="none" rtlCol="0">
+            <a:spAutoFit/>
+          </a:bodyPr>
+          <a:lstStyle/>
+          <a:p>
+            <a:r>
+              <a:rPr lang="de-DE" dirty="0" err="1" smtClean="0"/>
+              <a:t>Git</a:t>
+            </a:r>
+            <a:endParaRPr lang="de-DE" dirty="0"/>
+          </a:p>
+        </p:txBody>
+      </p:sp>
+      <p:pic>
+        <p:nvPicPr>
+          <p:cNvPr id="7" name="Grafik 6"/>
+          <p:cNvPicPr>
+            <a:picLocks noChangeAspect="1"/>
+          </p:cNvPicPr>
+          <p:nvPr/>
+        </p:nvPicPr>
+        <p:blipFill>
+          <a:blip r:embed="rId4"/>
+          <a:stretch>
+            <a:fillRect/>
+          </a:stretch>
+        </p:blipFill>
+        <p:spPr>
+          <a:xfrm>
+            <a:off x="1265774" y="1988840"/>
+            <a:ext cx="2352675" cy="295275"/>
+          </a:xfrm>
+          <a:prstGeom prst="rect">
+            <a:avLst/>
+          </a:prstGeom>
+        </p:spPr>
+      </p:pic>
+      <p:pic>
+        <p:nvPicPr>
+          <p:cNvPr id="8" name="Grafik 7"/>
+          <p:cNvPicPr>
+            <a:picLocks noChangeAspect="1"/>
+          </p:cNvPicPr>
+          <p:nvPr/>
+        </p:nvPicPr>
+        <p:blipFill>
+          <a:blip r:embed="rId5"/>
+          <a:stretch>
+            <a:fillRect/>
+          </a:stretch>
+        </p:blipFill>
+        <p:spPr>
+          <a:xfrm>
+            <a:off x="279564" y="2485496"/>
+            <a:ext cx="4325094" cy="3951069"/>
+          </a:xfrm>
+          <a:prstGeom prst="rect">
+            <a:avLst/>
+          </a:prstGeom>
+        </p:spPr>
+      </p:pic>
+      <p:pic>
+        <p:nvPicPr>
+          <p:cNvPr id="9" name="Grafik 8"/>
+          <p:cNvPicPr>
+            <a:picLocks noChangeAspect="1"/>
+          </p:cNvPicPr>
+          <p:nvPr/>
+        </p:nvPicPr>
+        <p:blipFill>
+          <a:blip r:embed="rId6"/>
+          <a:stretch>
+            <a:fillRect/>
+          </a:stretch>
+        </p:blipFill>
+        <p:spPr>
+          <a:xfrm>
+            <a:off x="5553500" y="1998364"/>
+            <a:ext cx="1809750" cy="276225"/>
+          </a:xfrm>
+          <a:prstGeom prst="rect">
+            <a:avLst/>
+          </a:prstGeom>
+        </p:spPr>
+      </p:pic>
+      <p:pic>
+        <p:nvPicPr>
+          <p:cNvPr id="10" name="Grafik 9"/>
+          <p:cNvPicPr>
+            <a:picLocks noChangeAspect="1"/>
+          </p:cNvPicPr>
+          <p:nvPr/>
+        </p:nvPicPr>
+        <p:blipFill>
+          <a:blip r:embed="rId7"/>
+          <a:stretch>
+            <a:fillRect/>
+          </a:stretch>
+        </p:blipFill>
+        <p:spPr>
+          <a:xfrm>
+            <a:off x="4687155" y="2473455"/>
+            <a:ext cx="3979144" cy="2743704"/>
+          </a:xfrm>
+          <a:prstGeom prst="rect">
+            <a:avLst/>
+          </a:prstGeom>
+        </p:spPr>
+      </p:pic>
+    </p:spTree>
+    <p:extLst>
+      <p:ext uri="{BB962C8B-B14F-4D97-AF65-F5344CB8AC3E}">
+        <p14:creationId xmlns:p14="http://schemas.microsoft.com/office/powerpoint/2010/main" val="3162640470"/>
+      </p:ext>
+    </p:extLst>
+  </p:cSld>
+  <p:clrMapOvr>
+    <a:masterClrMapping/>
+  </p:clrMapOvr>
+  <p:timing>
+    <p:tnLst>
+      <p:par>
+        <p:cTn id="1" dur="indefinite" restart="never" nodeType="tmRoot"/>
+      </p:par>
+    </p:tnLst>
+  </p:timing>
+</p:sld>
+</file>
+
+<file path=ppt/slides/slide9.xml><?xml version="1.0" encoding="utf-8"?>
+<p:sld xmlns:a="http://schemas.openxmlformats.org/drawingml/2006/main" xmlns:r="http://schemas.openxmlformats.org/officeDocument/2006/relationships" xmlns:p="http://schemas.openxmlformats.org/presentationml/2006/main" showMasterSp="0">
+  <p:cSld>
+    <p:bg>
+      <p:bgPr>
+        <a:blipFill dpi="0" rotWithShape="1">
+          <a:blip r:embed="rId3">
+            <a:alphaModFix amt="14000"/>
+            <a:lum/>
+          </a:blip>
+          <a:srcRect/>
+          <a:stretch>
+            <a:fillRect t="-17000" b="-17000"/>
+          </a:stretch>
+        </a:blipFill>
+        <a:effectLst/>
+      </p:bgPr>
+    </p:bg>
+    <p:spTree>
+      <p:nvGrpSpPr>
+        <p:cNvPr id="1" name=""/>
+        <p:cNvGrpSpPr/>
+        <p:nvPr/>
+      </p:nvGrpSpPr>
+      <p:grpSpPr>
+        <a:xfrm>
+          <a:off x="0" y="0"/>
+          <a:ext cx="0" cy="0"/>
+          <a:chOff x="0" y="0"/>
+          <a:chExt cx="0" cy="0"/>
+        </a:xfrm>
+      </p:grpSpPr>
+      <p:sp>
+        <p:nvSpPr>
+          <p:cNvPr id="2" name="Titel 1"/>
+          <p:cNvSpPr>
+            <a:spLocks noGrp="1"/>
+          </p:cNvSpPr>
+          <p:nvPr>
+            <p:ph type="title"/>
+          </p:nvPr>
+        </p:nvSpPr>
+        <p:spPr>
+          <a:xfrm>
+            <a:off x="457200" y="274638"/>
+            <a:ext cx="8229600" cy="1138138"/>
+          </a:xfrm>
+        </p:spPr>
+        <p:txBody>
+          <a:bodyPr>
+            <a:normAutofit/>
+          </a:bodyPr>
+          <a:lstStyle/>
+          <a:p>
+            <a:r>
+              <a:rPr lang="de-DE" dirty="0" smtClean="0"/>
+              <a:t>Unterschiede (</a:t>
+            </a:r>
+            <a:r>
+              <a:rPr lang="de-DE" dirty="0" err="1" smtClean="0"/>
+              <a:t>Differences</a:t>
+            </a:r>
+            <a:r>
+              <a:rPr lang="de-DE" dirty="0" smtClean="0"/>
+              <a:t>)</a:t>
+            </a:r>
+            <a:endParaRPr lang="de-DE" dirty="0"/>
+          </a:p>
+        </p:txBody>
+      </p:sp>
+    </p:spTree>
+    <p:extLst>
+      <p:ext uri="{BB962C8B-B14F-4D97-AF65-F5344CB8AC3E}">
+        <p14:creationId xmlns:p14="http://schemas.microsoft.com/office/powerpoint/2010/main" val="1188488701"/>
       </p:ext>
     </p:extLst>
   </p:cSld>

--- a/Git Presentation.pptx
+++ b/Git Presentation.pptx
@@ -4038,7 +4038,15 @@
             </a:r>
             <a:r>
               <a:rPr lang="de-DE" dirty="0" smtClean="0"/>
-              <a:t>. Genau wie Subversion nur anders</a:t>
+              <a:t>. </a:t>
+            </a:r>
+            <a:r>
+              <a:rPr lang="de-DE" smtClean="0"/>
+              <a:t>Genau </a:t>
+            </a:r>
+            <a:r>
+              <a:rPr lang="de-DE" dirty="0" smtClean="0"/>
+              <a:t>wie Subversion nur anders</a:t>
             </a:r>
             <a:endParaRPr lang="de-DE" dirty="0"/>
           </a:p>

--- a/Git Presentation.pptx
+++ b/Git Presentation.pptx
@@ -1074,7 +1074,7 @@
     </p:spTree>
     <p:extLst>
       <p:ext uri="{BB962C8B-B14F-4D97-AF65-F5344CB8AC3E}">
-        <p14:creationId xmlns:p14="http://schemas.microsoft.com/office/powerpoint/2010/main" val="2378804963"/>
+        <p14:creationId xmlns:p14="http://schemas.microsoft.com/office/powerpoint/2010/main" val="3424384770"/>
       </p:ext>
     </p:extLst>
   </p:cSld>
@@ -4189,9 +4189,9 @@
         <p:grpSpPr>
           <a:xfrm>
             <a:off x="3347864" y="1744255"/>
-            <a:ext cx="3384376" cy="3416320"/>
+            <a:ext cx="3384376" cy="3970318"/>
             <a:chOff x="3347864" y="1744255"/>
-            <a:chExt cx="3384376" cy="3416320"/>
+            <a:chExt cx="3384376" cy="3970318"/>
           </a:xfrm>
         </p:grpSpPr>
         <p:sp>
@@ -4203,7 +4203,7 @@
           <p:spPr>
             <a:xfrm>
               <a:off x="3851920" y="1744255"/>
-              <a:ext cx="2880320" cy="3416320"/>
+              <a:ext cx="2880320" cy="3970318"/>
             </a:xfrm>
             <a:prstGeom prst="rect">
               <a:avLst/>
@@ -4283,9 +4283,25 @@
               </a:pPr>
               <a:r>
                 <a:rPr lang="de-DE" sz="2400" dirty="0" smtClean="0"/>
-                <a:t>Show Log</a:t>
+                <a:t>Show </a:t>
+              </a:r>
+              <a:r>
+                <a:rPr lang="de-DE" sz="2400" dirty="0" smtClean="0"/>
+                <a:t>Log</a:t>
               </a:r>
               <a:endParaRPr lang="de-DE" sz="2400" dirty="0"/>
+            </a:p>
+            <a:p>
+              <a:pPr>
+                <a:lnSpc>
+                  <a:spcPct val="150000"/>
+                </a:lnSpc>
+              </a:pPr>
+              <a:r>
+                <a:rPr lang="de-DE" sz="2400" dirty="0" err="1" smtClean="0"/>
+                <a:t>Differences</a:t>
+              </a:r>
+              <a:endParaRPr lang="de-DE" sz="2400" dirty="0" smtClean="0"/>
             </a:p>
           </p:txBody>
         </p:sp>
@@ -4470,6 +4486,47 @@
           </p:spPr>
         </p:pic>
       </p:grpSp>
+      <p:pic>
+        <p:nvPicPr>
+          <p:cNvPr id="17" name="Grafik 16"/>
+          <p:cNvPicPr>
+            <a:picLocks noChangeAspect="1"/>
+          </p:cNvPicPr>
+          <p:nvPr/>
+        </p:nvPicPr>
+        <p:blipFill>
+          <a:blip r:embed="rId2" cstate="print">
+            <a:extLst>
+              <a:ext uri="{28A0092B-C50C-407E-A947-70E740481C1C}">
+                <a14:useLocalDpi xmlns:a14="http://schemas.microsoft.com/office/drawing/2010/main" val="0"/>
+              </a:ext>
+            </a:extLst>
+          </a:blip>
+          <a:stretch>
+            <a:fillRect/>
+          </a:stretch>
+        </p:blipFill>
+        <p:spPr>
+          <a:xfrm>
+            <a:off x="3347864" y="5229175"/>
+            <a:ext cx="360040" cy="360040"/>
+          </a:xfrm>
+          <a:prstGeom prst="rect">
+            <a:avLst/>
+          </a:prstGeom>
+          <a:noFill/>
+          <a:ln>
+            <a:noFill/>
+          </a:ln>
+          <a:effectLst>
+            <a:outerShdw blurRad="50800" dist="38100" dir="2700000" algn="tl" rotWithShape="0">
+              <a:prstClr val="black">
+                <a:alpha val="40000"/>
+              </a:prstClr>
+            </a:outerShdw>
+          </a:effectLst>
+        </p:spPr>
+      </p:pic>
     </p:spTree>
     <p:extLst>
       <p:ext uri="{BB962C8B-B14F-4D97-AF65-F5344CB8AC3E}">
@@ -6031,25 +6088,217 @@
           <a:lstStyle/>
           <a:p>
             <a:r>
+              <a:rPr lang="en-NZ" dirty="0" smtClean="0"/>
+              <a:t>Differences</a:t>
+            </a:r>
+            <a:endParaRPr lang="en-NZ" dirty="0"/>
+          </a:p>
+        </p:txBody>
+      </p:sp>
+      <p:sp>
+        <p:nvSpPr>
+          <p:cNvPr id="4" name="Textfeld 3"/>
+          <p:cNvSpPr txBox="1"/>
+          <p:nvPr/>
+        </p:nvSpPr>
+        <p:spPr>
+          <a:xfrm>
+            <a:off x="1835696" y="1556792"/>
+            <a:ext cx="1212833" cy="369332"/>
+          </a:xfrm>
+          <a:prstGeom prst="rect">
+            <a:avLst/>
+          </a:prstGeom>
+          <a:noFill/>
+        </p:spPr>
+        <p:txBody>
+          <a:bodyPr wrap="none" rtlCol="0">
+            <a:spAutoFit/>
+          </a:bodyPr>
+          <a:lstStyle/>
+          <a:p>
+            <a:r>
               <a:rPr lang="de-DE" dirty="0" smtClean="0"/>
-              <a:t>Unterschiede (</a:t>
-            </a:r>
+              <a:t>Subversion</a:t>
+            </a:r>
+            <a:endParaRPr lang="de-DE" dirty="0"/>
+          </a:p>
+        </p:txBody>
+      </p:sp>
+      <p:sp>
+        <p:nvSpPr>
+          <p:cNvPr id="18" name="Textfeld 17"/>
+          <p:cNvSpPr txBox="1"/>
+          <p:nvPr/>
+        </p:nvSpPr>
+        <p:spPr>
+          <a:xfrm>
+            <a:off x="6228184" y="1556792"/>
+            <a:ext cx="460382" cy="369332"/>
+          </a:xfrm>
+          <a:prstGeom prst="rect">
+            <a:avLst/>
+          </a:prstGeom>
+          <a:noFill/>
+        </p:spPr>
+        <p:txBody>
+          <a:bodyPr wrap="none" rtlCol="0">
+            <a:spAutoFit/>
+          </a:bodyPr>
+          <a:lstStyle/>
+          <a:p>
             <a:r>
               <a:rPr lang="de-DE" dirty="0" err="1" smtClean="0"/>
-              <a:t>Differences</a:t>
-            </a:r>
+              <a:t>Git</a:t>
+            </a:r>
+            <a:endParaRPr lang="de-DE" dirty="0"/>
+          </a:p>
+        </p:txBody>
+      </p:sp>
+      <p:sp>
+        <p:nvSpPr>
+          <p:cNvPr id="5" name="Textfeld 4"/>
+          <p:cNvSpPr txBox="1"/>
+          <p:nvPr/>
+        </p:nvSpPr>
+        <p:spPr>
+          <a:xfrm>
+            <a:off x="899592" y="2276872"/>
+            <a:ext cx="3312368" cy="369332"/>
+          </a:xfrm>
+          <a:prstGeom prst="rect">
+            <a:avLst/>
+          </a:prstGeom>
+          <a:noFill/>
+        </p:spPr>
+        <p:txBody>
+          <a:bodyPr wrap="square" rtlCol="0">
+            <a:spAutoFit/>
+          </a:bodyPr>
+          <a:lstStyle/>
+          <a:p>
+            <a:pPr marL="285750" indent="-285750">
+              <a:buFont typeface="Arial" panose="020B0604020202020204" pitchFamily="34" charset="0"/>
+              <a:buChar char="•"/>
+            </a:pPr>
             <a:r>
               <a:rPr lang="de-DE" dirty="0" smtClean="0"/>
-              <a:t>)</a:t>
+              <a:t> Singe Repository </a:t>
             </a:r>
             <a:endParaRPr lang="de-DE" dirty="0"/>
+          </a:p>
+        </p:txBody>
+      </p:sp>
+      <p:sp>
+        <p:nvSpPr>
+          <p:cNvPr id="13" name="Textfeld 12"/>
+          <p:cNvSpPr txBox="1"/>
+          <p:nvPr/>
+        </p:nvSpPr>
+        <p:spPr>
+          <a:xfrm>
+            <a:off x="5580112" y="2276872"/>
+            <a:ext cx="3312368" cy="1200329"/>
+          </a:xfrm>
+          <a:prstGeom prst="rect">
+            <a:avLst/>
+          </a:prstGeom>
+          <a:noFill/>
+        </p:spPr>
+        <p:txBody>
+          <a:bodyPr wrap="square" rtlCol="0">
+            <a:spAutoFit/>
+          </a:bodyPr>
+          <a:lstStyle/>
+          <a:p>
+            <a:pPr marL="285750" indent="-285750">
+              <a:buFont typeface="Arial" panose="020B0604020202020204" pitchFamily="34" charset="0"/>
+              <a:buChar char="•"/>
+            </a:pPr>
+            <a:r>
+              <a:rPr lang="de-DE" dirty="0" smtClean="0"/>
+              <a:t>Minimum 1 Repository</a:t>
+            </a:r>
+          </a:p>
+          <a:p>
+            <a:pPr marL="285750" indent="-285750">
+              <a:buFont typeface="Arial" panose="020B0604020202020204" pitchFamily="34" charset="0"/>
+              <a:buChar char="•"/>
+            </a:pPr>
+            <a:r>
+              <a:rPr lang="de-DE" dirty="0" smtClean="0"/>
+              <a:t>Commit / </a:t>
+            </a:r>
+            <a:r>
+              <a:rPr lang="de-DE" dirty="0" err="1" smtClean="0"/>
+              <a:t>Revert</a:t>
+            </a:r>
+            <a:r>
+              <a:rPr lang="de-DE" dirty="0" smtClean="0"/>
+              <a:t> </a:t>
+            </a:r>
+            <a:r>
+              <a:rPr lang="de-DE" dirty="0" err="1" smtClean="0"/>
+              <a:t>can</a:t>
+            </a:r>
+            <a:r>
+              <a:rPr lang="de-DE" dirty="0" smtClean="0"/>
+              <a:t> </a:t>
+            </a:r>
+            <a:r>
+              <a:rPr lang="de-DE" dirty="0" err="1" smtClean="0"/>
+              <a:t>be</a:t>
+            </a:r>
+            <a:r>
+              <a:rPr lang="de-DE" dirty="0" smtClean="0"/>
+              <a:t> </a:t>
+            </a:r>
+            <a:r>
+              <a:rPr lang="de-DE" smtClean="0"/>
+              <a:t>local</a:t>
+            </a:r>
+            <a:endParaRPr lang="de-DE" dirty="0" smtClean="0"/>
+          </a:p>
+          <a:p>
+            <a:pPr marL="285750" indent="-285750">
+              <a:buFont typeface="Arial" panose="020B0604020202020204" pitchFamily="34" charset="0"/>
+              <a:buChar char="•"/>
+            </a:pPr>
+            <a:r>
+              <a:rPr lang="de-DE" dirty="0" smtClean="0"/>
+              <a:t>Need </a:t>
+            </a:r>
+            <a:r>
+              <a:rPr lang="de-DE" dirty="0" err="1" smtClean="0"/>
+              <a:t>to</a:t>
+            </a:r>
+            <a:r>
+              <a:rPr lang="de-DE" dirty="0" smtClean="0"/>
+              <a:t> Push </a:t>
+            </a:r>
+            <a:r>
+              <a:rPr lang="de-DE" dirty="0" err="1" smtClean="0"/>
+              <a:t>to</a:t>
+            </a:r>
+            <a:r>
+              <a:rPr lang="de-DE" dirty="0" smtClean="0"/>
+              <a:t> </a:t>
+            </a:r>
+            <a:r>
+              <a:rPr lang="de-DE" dirty="0" err="1" smtClean="0"/>
+              <a:t>another</a:t>
+            </a:r>
+            <a:r>
+              <a:rPr lang="de-DE" dirty="0" smtClean="0"/>
+              <a:t> Repository</a:t>
+            </a:r>
           </a:p>
         </p:txBody>
       </p:sp>
     </p:spTree>
     <p:extLst>
       <p:ext uri="{BB962C8B-B14F-4D97-AF65-F5344CB8AC3E}">
-        <p14:creationId xmlns:p14="http://schemas.microsoft.com/office/powerpoint/2010/main" val="1188488701"/>
+        <p14:creationId xmlns:p14="http://schemas.microsoft.com/office/powerpoint/2010/main" val="3826051374"/>
       </p:ext>
     </p:extLst>
   </p:cSld>

--- a/Git Presentation.pptx
+++ b/Git Presentation.pptx
@@ -6254,7 +6254,7 @@
               <a:t> </a:t>
             </a:r>
             <a:r>
-              <a:rPr lang="de-DE" smtClean="0"/>
+              <a:rPr lang="de-DE" dirty="0" err="1" smtClean="0"/>
               <a:t>local</a:t>
             </a:r>
             <a:endParaRPr lang="de-DE" dirty="0" smtClean="0"/>
@@ -6266,7 +6266,7 @@
             </a:pPr>
             <a:r>
               <a:rPr lang="de-DE" dirty="0" smtClean="0"/>
-              <a:t>Need </a:t>
+              <a:t>Push </a:t>
             </a:r>
             <a:r>
               <a:rPr lang="de-DE" dirty="0" err="1" smtClean="0"/>
@@ -6274,14 +6274,6 @@
             </a:r>
             <a:r>
               <a:rPr lang="de-DE" dirty="0" smtClean="0"/>
-              <a:t> Push </a:t>
-            </a:r>
-            <a:r>
-              <a:rPr lang="de-DE" dirty="0" err="1" smtClean="0"/>
-              <a:t>to</a:t>
-            </a:r>
-            <a:r>
-              <a:rPr lang="de-DE" dirty="0" smtClean="0"/>
               <a:t> </a:t>
             </a:r>
             <a:r>
@@ -6291,6 +6283,25 @@
             <a:r>
               <a:rPr lang="de-DE" dirty="0" smtClean="0"/>
               <a:t> Repository</a:t>
+            </a:r>
+            <a:endParaRPr lang="de-DE" dirty="0"/>
+          </a:p>
+          <a:p>
+            <a:pPr marL="285750" indent="-285750">
+              <a:buFont typeface="Arial" panose="020B0604020202020204" pitchFamily="34" charset="0"/>
+              <a:buChar char="•"/>
+            </a:pPr>
+            <a:r>
+              <a:rPr lang="de-DE" dirty="0" smtClean="0"/>
+              <a:t>Pull </a:t>
+            </a:r>
+            <a:r>
+              <a:rPr lang="de-DE" dirty="0" err="1" smtClean="0"/>
+              <a:t>from</a:t>
+            </a:r>
+            <a:r>
+              <a:rPr lang="de-DE" dirty="0" smtClean="0"/>
+              <a:t> a Repository</a:t>
             </a:r>
           </a:p>
         </p:txBody>
